--- a/ppt 16-9/1329.喝你乐河的水.pptx
+++ b/ppt 16-9/1329.喝你乐河的水.pptx
@@ -129,7 +129,7 @@
           <p:cNvPr id="2" name="标题 1">
             <a:extLst>
               <a:ext uri="{FF2B5EF4-FFF2-40B4-BE49-F238E27FC236}">
-                <a16:creationId xmlns:a16="http://schemas.microsoft.com/office/drawing/2014/main" id="{B194D9CB-C64E-B8A0-C285-39A55AFFD7DE}"/>
+                <a16:creationId xmlns:a16="http://schemas.microsoft.com/office/drawing/2014/main" id="{D3D544BC-D578-C720-6284-CAF4B8A148E2}"/>
               </a:ext>
             </a:extLst>
           </p:cNvPr>
@@ -166,7 +166,7 @@
           <p:cNvPr id="3" name="副标题 2">
             <a:extLst>
               <a:ext uri="{FF2B5EF4-FFF2-40B4-BE49-F238E27FC236}">
-                <a16:creationId xmlns:a16="http://schemas.microsoft.com/office/drawing/2014/main" id="{A521804B-E5A0-2D8C-B29C-DE784862220F}"/>
+                <a16:creationId xmlns:a16="http://schemas.microsoft.com/office/drawing/2014/main" id="{EFEA371C-D041-C77E-2DDB-C5642FB264D3}"/>
               </a:ext>
             </a:extLst>
           </p:cNvPr>
@@ -236,7 +236,7 @@
           <p:cNvPr id="4" name="日期占位符 3">
             <a:extLst>
               <a:ext uri="{FF2B5EF4-FFF2-40B4-BE49-F238E27FC236}">
-                <a16:creationId xmlns:a16="http://schemas.microsoft.com/office/drawing/2014/main" id="{685F5B52-74AD-E36C-37DB-76A2155DFF31}"/>
+                <a16:creationId xmlns:a16="http://schemas.microsoft.com/office/drawing/2014/main" id="{2B7A0621-E2C9-E5E7-B71B-F3808B799881}"/>
               </a:ext>
             </a:extLst>
           </p:cNvPr>
@@ -252,7 +252,7 @@
           <a:bodyPr/>
           <a:lstStyle/>
           <a:p>
-            <a:fld id="{BD355919-777E-43FB-A040-B01E79A0941E}" type="datetimeFigureOut">
+            <a:fld id="{353AA71B-B00C-4F41-AD0E-C9F8AB6A8A0E}" type="datetimeFigureOut">
               <a:rPr lang="zh-CN" altLang="en-US" smtClean="0"/>
               <a:t>2024/3/10</a:t>
             </a:fld>
@@ -265,7 +265,7 @@
           <p:cNvPr id="5" name="页脚占位符 4">
             <a:extLst>
               <a:ext uri="{FF2B5EF4-FFF2-40B4-BE49-F238E27FC236}">
-                <a16:creationId xmlns:a16="http://schemas.microsoft.com/office/drawing/2014/main" id="{4F1BBBA1-59EC-EAFA-919F-8266A68E3431}"/>
+                <a16:creationId xmlns:a16="http://schemas.microsoft.com/office/drawing/2014/main" id="{BB334F39-A874-A6D5-632D-B9333EA72F99}"/>
               </a:ext>
             </a:extLst>
           </p:cNvPr>
@@ -290,7 +290,7 @@
           <p:cNvPr id="6" name="灯片编号占位符 5">
             <a:extLst>
               <a:ext uri="{FF2B5EF4-FFF2-40B4-BE49-F238E27FC236}">
-                <a16:creationId xmlns:a16="http://schemas.microsoft.com/office/drawing/2014/main" id="{4C394BE1-B92E-E250-A2B8-C7FEF6901BAA}"/>
+                <a16:creationId xmlns:a16="http://schemas.microsoft.com/office/drawing/2014/main" id="{6F14B22F-876D-E999-723C-F5B250A460E6}"/>
               </a:ext>
             </a:extLst>
           </p:cNvPr>
@@ -306,7 +306,7 @@
           <a:bodyPr/>
           <a:lstStyle/>
           <a:p>
-            <a:fld id="{CF111BA5-AB31-4DED-97BE-FA18ABF43828}" type="slidenum">
+            <a:fld id="{F94BA0F1-D062-430B-89A4-E440AA02886A}" type="slidenum">
               <a:rPr lang="zh-CN" altLang="en-US" smtClean="0"/>
               <a:t>‹#›</a:t>
             </a:fld>
@@ -317,7 +317,7 @@
     </p:spTree>
     <p:extLst>
       <p:ext uri="{BB962C8B-B14F-4D97-AF65-F5344CB8AC3E}">
-        <p14:creationId xmlns:p14="http://schemas.microsoft.com/office/powerpoint/2010/main" val="626773477"/>
+        <p14:creationId xmlns:p14="http://schemas.microsoft.com/office/powerpoint/2010/main" val="28610848"/>
       </p:ext>
     </p:extLst>
   </p:cSld>
@@ -349,7 +349,7 @@
           <p:cNvPr id="2" name="标题 1">
             <a:extLst>
               <a:ext uri="{FF2B5EF4-FFF2-40B4-BE49-F238E27FC236}">
-                <a16:creationId xmlns:a16="http://schemas.microsoft.com/office/drawing/2014/main" id="{6CC52B71-F4F2-E314-AD3B-889EB1F1900F}"/>
+                <a16:creationId xmlns:a16="http://schemas.microsoft.com/office/drawing/2014/main" id="{53BFA230-B04A-74E7-F8D1-13BE494C0E5E}"/>
               </a:ext>
             </a:extLst>
           </p:cNvPr>
@@ -377,7 +377,7 @@
           <p:cNvPr id="3" name="竖排文字占位符 2">
             <a:extLst>
               <a:ext uri="{FF2B5EF4-FFF2-40B4-BE49-F238E27FC236}">
-                <a16:creationId xmlns:a16="http://schemas.microsoft.com/office/drawing/2014/main" id="{0A9BEADB-352D-54F8-E25A-E7CCC749E39D}"/>
+                <a16:creationId xmlns:a16="http://schemas.microsoft.com/office/drawing/2014/main" id="{4D863743-66E9-8CE8-5828-BCEED33B44FE}"/>
               </a:ext>
             </a:extLst>
           </p:cNvPr>
@@ -434,7 +434,7 @@
           <p:cNvPr id="4" name="日期占位符 3">
             <a:extLst>
               <a:ext uri="{FF2B5EF4-FFF2-40B4-BE49-F238E27FC236}">
-                <a16:creationId xmlns:a16="http://schemas.microsoft.com/office/drawing/2014/main" id="{CA499B00-DCF9-080F-A0E4-E775CC884773}"/>
+                <a16:creationId xmlns:a16="http://schemas.microsoft.com/office/drawing/2014/main" id="{8CCC88FD-B7DB-5195-9F45-DCA4B3B39DCA}"/>
               </a:ext>
             </a:extLst>
           </p:cNvPr>
@@ -450,7 +450,7 @@
           <a:bodyPr/>
           <a:lstStyle/>
           <a:p>
-            <a:fld id="{BD355919-777E-43FB-A040-B01E79A0941E}" type="datetimeFigureOut">
+            <a:fld id="{353AA71B-B00C-4F41-AD0E-C9F8AB6A8A0E}" type="datetimeFigureOut">
               <a:rPr lang="zh-CN" altLang="en-US" smtClean="0"/>
               <a:t>2024/3/10</a:t>
             </a:fld>
@@ -463,7 +463,7 @@
           <p:cNvPr id="5" name="页脚占位符 4">
             <a:extLst>
               <a:ext uri="{FF2B5EF4-FFF2-40B4-BE49-F238E27FC236}">
-                <a16:creationId xmlns:a16="http://schemas.microsoft.com/office/drawing/2014/main" id="{65CA94CE-1750-434C-9EE2-352CAF8C9AF1}"/>
+                <a16:creationId xmlns:a16="http://schemas.microsoft.com/office/drawing/2014/main" id="{B1134B45-43AA-8C31-CF3C-FC274FF3443D}"/>
               </a:ext>
             </a:extLst>
           </p:cNvPr>
@@ -488,7 +488,7 @@
           <p:cNvPr id="6" name="灯片编号占位符 5">
             <a:extLst>
               <a:ext uri="{FF2B5EF4-FFF2-40B4-BE49-F238E27FC236}">
-                <a16:creationId xmlns:a16="http://schemas.microsoft.com/office/drawing/2014/main" id="{DA01B613-BB61-CF1E-E139-4C9123E07279}"/>
+                <a16:creationId xmlns:a16="http://schemas.microsoft.com/office/drawing/2014/main" id="{2D556DD1-23DA-269B-8754-138D715ED428}"/>
               </a:ext>
             </a:extLst>
           </p:cNvPr>
@@ -504,7 +504,7 @@
           <a:bodyPr/>
           <a:lstStyle/>
           <a:p>
-            <a:fld id="{CF111BA5-AB31-4DED-97BE-FA18ABF43828}" type="slidenum">
+            <a:fld id="{F94BA0F1-D062-430B-89A4-E440AA02886A}" type="slidenum">
               <a:rPr lang="zh-CN" altLang="en-US" smtClean="0"/>
               <a:t>‹#›</a:t>
             </a:fld>
@@ -515,7 +515,7 @@
     </p:spTree>
     <p:extLst>
       <p:ext uri="{BB962C8B-B14F-4D97-AF65-F5344CB8AC3E}">
-        <p14:creationId xmlns:p14="http://schemas.microsoft.com/office/powerpoint/2010/main" val="1226422637"/>
+        <p14:creationId xmlns:p14="http://schemas.microsoft.com/office/powerpoint/2010/main" val="96289426"/>
       </p:ext>
     </p:extLst>
   </p:cSld>
@@ -547,7 +547,7 @@
           <p:cNvPr id="2" name="竖排标题 1">
             <a:extLst>
               <a:ext uri="{FF2B5EF4-FFF2-40B4-BE49-F238E27FC236}">
-                <a16:creationId xmlns:a16="http://schemas.microsoft.com/office/drawing/2014/main" id="{884CBA4B-D96B-1928-9842-02372A3C33F4}"/>
+                <a16:creationId xmlns:a16="http://schemas.microsoft.com/office/drawing/2014/main" id="{31B65D6F-CCC8-22C8-5FD8-812818B35358}"/>
               </a:ext>
             </a:extLst>
           </p:cNvPr>
@@ -580,7 +580,7 @@
           <p:cNvPr id="3" name="竖排文字占位符 2">
             <a:extLst>
               <a:ext uri="{FF2B5EF4-FFF2-40B4-BE49-F238E27FC236}">
-                <a16:creationId xmlns:a16="http://schemas.microsoft.com/office/drawing/2014/main" id="{3BA22A5F-45C9-1BA4-9F36-F874C7E8B9DD}"/>
+                <a16:creationId xmlns:a16="http://schemas.microsoft.com/office/drawing/2014/main" id="{69B41FA3-4BDB-4C05-AEEB-B73AD12D6BD8}"/>
               </a:ext>
             </a:extLst>
           </p:cNvPr>
@@ -642,7 +642,7 @@
           <p:cNvPr id="4" name="日期占位符 3">
             <a:extLst>
               <a:ext uri="{FF2B5EF4-FFF2-40B4-BE49-F238E27FC236}">
-                <a16:creationId xmlns:a16="http://schemas.microsoft.com/office/drawing/2014/main" id="{8FFCB4D4-C1BD-E72B-259D-F21369CA085F}"/>
+                <a16:creationId xmlns:a16="http://schemas.microsoft.com/office/drawing/2014/main" id="{7D0BB109-8589-4BA1-72FB-7067577D50FF}"/>
               </a:ext>
             </a:extLst>
           </p:cNvPr>
@@ -658,7 +658,7 @@
           <a:bodyPr/>
           <a:lstStyle/>
           <a:p>
-            <a:fld id="{BD355919-777E-43FB-A040-B01E79A0941E}" type="datetimeFigureOut">
+            <a:fld id="{353AA71B-B00C-4F41-AD0E-C9F8AB6A8A0E}" type="datetimeFigureOut">
               <a:rPr lang="zh-CN" altLang="en-US" smtClean="0"/>
               <a:t>2024/3/10</a:t>
             </a:fld>
@@ -671,7 +671,7 @@
           <p:cNvPr id="5" name="页脚占位符 4">
             <a:extLst>
               <a:ext uri="{FF2B5EF4-FFF2-40B4-BE49-F238E27FC236}">
-                <a16:creationId xmlns:a16="http://schemas.microsoft.com/office/drawing/2014/main" id="{DC94CD8E-25FC-123E-790F-95741D7EF818}"/>
+                <a16:creationId xmlns:a16="http://schemas.microsoft.com/office/drawing/2014/main" id="{C472ECF1-F033-7478-7B02-FECFD590A4F3}"/>
               </a:ext>
             </a:extLst>
           </p:cNvPr>
@@ -696,7 +696,7 @@
           <p:cNvPr id="6" name="灯片编号占位符 5">
             <a:extLst>
               <a:ext uri="{FF2B5EF4-FFF2-40B4-BE49-F238E27FC236}">
-                <a16:creationId xmlns:a16="http://schemas.microsoft.com/office/drawing/2014/main" id="{5E1CC57F-36D1-8F05-1733-153D0928597D}"/>
+                <a16:creationId xmlns:a16="http://schemas.microsoft.com/office/drawing/2014/main" id="{E9DADB89-CB22-E823-E444-540F646FAE3F}"/>
               </a:ext>
             </a:extLst>
           </p:cNvPr>
@@ -712,7 +712,7 @@
           <a:bodyPr/>
           <a:lstStyle/>
           <a:p>
-            <a:fld id="{CF111BA5-AB31-4DED-97BE-FA18ABF43828}" type="slidenum">
+            <a:fld id="{F94BA0F1-D062-430B-89A4-E440AA02886A}" type="slidenum">
               <a:rPr lang="zh-CN" altLang="en-US" smtClean="0"/>
               <a:t>‹#›</a:t>
             </a:fld>
@@ -723,7 +723,7 @@
     </p:spTree>
     <p:extLst>
       <p:ext uri="{BB962C8B-B14F-4D97-AF65-F5344CB8AC3E}">
-        <p14:creationId xmlns:p14="http://schemas.microsoft.com/office/powerpoint/2010/main" val="1757954947"/>
+        <p14:creationId xmlns:p14="http://schemas.microsoft.com/office/powerpoint/2010/main" val="443245730"/>
       </p:ext>
     </p:extLst>
   </p:cSld>
@@ -755,7 +755,7 @@
           <p:cNvPr id="2" name="标题 1">
             <a:extLst>
               <a:ext uri="{FF2B5EF4-FFF2-40B4-BE49-F238E27FC236}">
-                <a16:creationId xmlns:a16="http://schemas.microsoft.com/office/drawing/2014/main" id="{08B215C4-E4A6-8A14-E975-5B48BF3130B8}"/>
+                <a16:creationId xmlns:a16="http://schemas.microsoft.com/office/drawing/2014/main" id="{49C20971-C1BD-A23F-CAA2-E65F5ACEB0D9}"/>
               </a:ext>
             </a:extLst>
           </p:cNvPr>
@@ -783,7 +783,7 @@
           <p:cNvPr id="3" name="内容占位符 2">
             <a:extLst>
               <a:ext uri="{FF2B5EF4-FFF2-40B4-BE49-F238E27FC236}">
-                <a16:creationId xmlns:a16="http://schemas.microsoft.com/office/drawing/2014/main" id="{DD2DEEF7-646C-B3FF-C9D0-8FB7B8222013}"/>
+                <a16:creationId xmlns:a16="http://schemas.microsoft.com/office/drawing/2014/main" id="{29886969-56AB-23D7-ADB7-DF1C4CBA5E14}"/>
               </a:ext>
             </a:extLst>
           </p:cNvPr>
@@ -840,7 +840,7 @@
           <p:cNvPr id="4" name="日期占位符 3">
             <a:extLst>
               <a:ext uri="{FF2B5EF4-FFF2-40B4-BE49-F238E27FC236}">
-                <a16:creationId xmlns:a16="http://schemas.microsoft.com/office/drawing/2014/main" id="{EC5503E6-3B62-540F-EA69-031D50EC2564}"/>
+                <a16:creationId xmlns:a16="http://schemas.microsoft.com/office/drawing/2014/main" id="{C1D1B488-E80C-B970-AE09-0FA46ABD4FF8}"/>
               </a:ext>
             </a:extLst>
           </p:cNvPr>
@@ -856,7 +856,7 @@
           <a:bodyPr/>
           <a:lstStyle/>
           <a:p>
-            <a:fld id="{BD355919-777E-43FB-A040-B01E79A0941E}" type="datetimeFigureOut">
+            <a:fld id="{353AA71B-B00C-4F41-AD0E-C9F8AB6A8A0E}" type="datetimeFigureOut">
               <a:rPr lang="zh-CN" altLang="en-US" smtClean="0"/>
               <a:t>2024/3/10</a:t>
             </a:fld>
@@ -869,7 +869,7 @@
           <p:cNvPr id="5" name="页脚占位符 4">
             <a:extLst>
               <a:ext uri="{FF2B5EF4-FFF2-40B4-BE49-F238E27FC236}">
-                <a16:creationId xmlns:a16="http://schemas.microsoft.com/office/drawing/2014/main" id="{15C29EFF-279E-A4AC-99FC-E5C5E287E3BD}"/>
+                <a16:creationId xmlns:a16="http://schemas.microsoft.com/office/drawing/2014/main" id="{04F8B1C3-35E2-F94B-120A-5A72696E9526}"/>
               </a:ext>
             </a:extLst>
           </p:cNvPr>
@@ -894,7 +894,7 @@
           <p:cNvPr id="6" name="灯片编号占位符 5">
             <a:extLst>
               <a:ext uri="{FF2B5EF4-FFF2-40B4-BE49-F238E27FC236}">
-                <a16:creationId xmlns:a16="http://schemas.microsoft.com/office/drawing/2014/main" id="{93FE652E-6FF1-0CEF-3143-D230B17B5197}"/>
+                <a16:creationId xmlns:a16="http://schemas.microsoft.com/office/drawing/2014/main" id="{326ACF2B-6382-1271-8BFF-4F4EBCEDD681}"/>
               </a:ext>
             </a:extLst>
           </p:cNvPr>
@@ -910,7 +910,7 @@
           <a:bodyPr/>
           <a:lstStyle/>
           <a:p>
-            <a:fld id="{CF111BA5-AB31-4DED-97BE-FA18ABF43828}" type="slidenum">
+            <a:fld id="{F94BA0F1-D062-430B-89A4-E440AA02886A}" type="slidenum">
               <a:rPr lang="zh-CN" altLang="en-US" smtClean="0"/>
               <a:t>‹#›</a:t>
             </a:fld>
@@ -921,7 +921,7 @@
     </p:spTree>
     <p:extLst>
       <p:ext uri="{BB962C8B-B14F-4D97-AF65-F5344CB8AC3E}">
-        <p14:creationId xmlns:p14="http://schemas.microsoft.com/office/powerpoint/2010/main" val="529774923"/>
+        <p14:creationId xmlns:p14="http://schemas.microsoft.com/office/powerpoint/2010/main" val="72874194"/>
       </p:ext>
     </p:extLst>
   </p:cSld>
@@ -953,7 +953,7 @@
           <p:cNvPr id="2" name="标题 1">
             <a:extLst>
               <a:ext uri="{FF2B5EF4-FFF2-40B4-BE49-F238E27FC236}">
-                <a16:creationId xmlns:a16="http://schemas.microsoft.com/office/drawing/2014/main" id="{5897E2B6-8602-973C-69B6-19388CB73519}"/>
+                <a16:creationId xmlns:a16="http://schemas.microsoft.com/office/drawing/2014/main" id="{BBEAD20E-0EB9-BA7D-1D9A-379F8DEFA3BB}"/>
               </a:ext>
             </a:extLst>
           </p:cNvPr>
@@ -990,7 +990,7 @@
           <p:cNvPr id="3" name="文本占位符 2">
             <a:extLst>
               <a:ext uri="{FF2B5EF4-FFF2-40B4-BE49-F238E27FC236}">
-                <a16:creationId xmlns:a16="http://schemas.microsoft.com/office/drawing/2014/main" id="{7387900B-4762-415B-9CF9-4D09FB68F975}"/>
+                <a16:creationId xmlns:a16="http://schemas.microsoft.com/office/drawing/2014/main" id="{1736902E-B792-A239-D43F-FB9F04897195}"/>
               </a:ext>
             </a:extLst>
           </p:cNvPr>
@@ -1115,7 +1115,7 @@
           <p:cNvPr id="4" name="日期占位符 3">
             <a:extLst>
               <a:ext uri="{FF2B5EF4-FFF2-40B4-BE49-F238E27FC236}">
-                <a16:creationId xmlns:a16="http://schemas.microsoft.com/office/drawing/2014/main" id="{3A48234F-97E3-CDE2-3AD2-629CDFA9DCB5}"/>
+                <a16:creationId xmlns:a16="http://schemas.microsoft.com/office/drawing/2014/main" id="{418792AF-82ED-A6B3-F9FE-3BED485B3522}"/>
               </a:ext>
             </a:extLst>
           </p:cNvPr>
@@ -1131,7 +1131,7 @@
           <a:bodyPr/>
           <a:lstStyle/>
           <a:p>
-            <a:fld id="{BD355919-777E-43FB-A040-B01E79A0941E}" type="datetimeFigureOut">
+            <a:fld id="{353AA71B-B00C-4F41-AD0E-C9F8AB6A8A0E}" type="datetimeFigureOut">
               <a:rPr lang="zh-CN" altLang="en-US" smtClean="0"/>
               <a:t>2024/3/10</a:t>
             </a:fld>
@@ -1144,7 +1144,7 @@
           <p:cNvPr id="5" name="页脚占位符 4">
             <a:extLst>
               <a:ext uri="{FF2B5EF4-FFF2-40B4-BE49-F238E27FC236}">
-                <a16:creationId xmlns:a16="http://schemas.microsoft.com/office/drawing/2014/main" id="{19C881D7-43F8-C4F9-B096-6AC9D64909B5}"/>
+                <a16:creationId xmlns:a16="http://schemas.microsoft.com/office/drawing/2014/main" id="{5449A405-E4E0-143C-8468-D3D2FF905612}"/>
               </a:ext>
             </a:extLst>
           </p:cNvPr>
@@ -1169,7 +1169,7 @@
           <p:cNvPr id="6" name="灯片编号占位符 5">
             <a:extLst>
               <a:ext uri="{FF2B5EF4-FFF2-40B4-BE49-F238E27FC236}">
-                <a16:creationId xmlns:a16="http://schemas.microsoft.com/office/drawing/2014/main" id="{64B7A385-C05D-3386-7798-EA79C4D48121}"/>
+                <a16:creationId xmlns:a16="http://schemas.microsoft.com/office/drawing/2014/main" id="{078B31E9-2613-D175-7818-9C879EE6C30E}"/>
               </a:ext>
             </a:extLst>
           </p:cNvPr>
@@ -1185,7 +1185,7 @@
           <a:bodyPr/>
           <a:lstStyle/>
           <a:p>
-            <a:fld id="{CF111BA5-AB31-4DED-97BE-FA18ABF43828}" type="slidenum">
+            <a:fld id="{F94BA0F1-D062-430B-89A4-E440AA02886A}" type="slidenum">
               <a:rPr lang="zh-CN" altLang="en-US" smtClean="0"/>
               <a:t>‹#›</a:t>
             </a:fld>
@@ -1196,7 +1196,7 @@
     </p:spTree>
     <p:extLst>
       <p:ext uri="{BB962C8B-B14F-4D97-AF65-F5344CB8AC3E}">
-        <p14:creationId xmlns:p14="http://schemas.microsoft.com/office/powerpoint/2010/main" val="1818745961"/>
+        <p14:creationId xmlns:p14="http://schemas.microsoft.com/office/powerpoint/2010/main" val="1880274384"/>
       </p:ext>
     </p:extLst>
   </p:cSld>
@@ -1228,7 +1228,7 @@
           <p:cNvPr id="2" name="标题 1">
             <a:extLst>
               <a:ext uri="{FF2B5EF4-FFF2-40B4-BE49-F238E27FC236}">
-                <a16:creationId xmlns:a16="http://schemas.microsoft.com/office/drawing/2014/main" id="{A73FA078-0337-0C8E-A15A-D5BE4C0F865D}"/>
+                <a16:creationId xmlns:a16="http://schemas.microsoft.com/office/drawing/2014/main" id="{DAD6F34C-E163-E953-AF7A-EDFDAB10D062}"/>
               </a:ext>
             </a:extLst>
           </p:cNvPr>
@@ -1256,7 +1256,7 @@
           <p:cNvPr id="3" name="内容占位符 2">
             <a:extLst>
               <a:ext uri="{FF2B5EF4-FFF2-40B4-BE49-F238E27FC236}">
-                <a16:creationId xmlns:a16="http://schemas.microsoft.com/office/drawing/2014/main" id="{A7A91F67-4CD5-3E1E-7A0C-DBDF6226E179}"/>
+                <a16:creationId xmlns:a16="http://schemas.microsoft.com/office/drawing/2014/main" id="{98817DA0-39FC-CDC1-B985-48C3B06F909F}"/>
               </a:ext>
             </a:extLst>
           </p:cNvPr>
@@ -1318,7 +1318,7 @@
           <p:cNvPr id="4" name="内容占位符 3">
             <a:extLst>
               <a:ext uri="{FF2B5EF4-FFF2-40B4-BE49-F238E27FC236}">
-                <a16:creationId xmlns:a16="http://schemas.microsoft.com/office/drawing/2014/main" id="{1BC6899D-63F3-8EAB-A4FA-94CD53600F71}"/>
+                <a16:creationId xmlns:a16="http://schemas.microsoft.com/office/drawing/2014/main" id="{5355E042-08C7-4D8A-0D70-7CC0E30CC966}"/>
               </a:ext>
             </a:extLst>
           </p:cNvPr>
@@ -1380,7 +1380,7 @@
           <p:cNvPr id="5" name="日期占位符 4">
             <a:extLst>
               <a:ext uri="{FF2B5EF4-FFF2-40B4-BE49-F238E27FC236}">
-                <a16:creationId xmlns:a16="http://schemas.microsoft.com/office/drawing/2014/main" id="{044C4CE8-E94C-1252-3A4D-BED3D601B54E}"/>
+                <a16:creationId xmlns:a16="http://schemas.microsoft.com/office/drawing/2014/main" id="{ECF11A53-2319-91AF-33DC-5169466E5022}"/>
               </a:ext>
             </a:extLst>
           </p:cNvPr>
@@ -1396,7 +1396,7 @@
           <a:bodyPr/>
           <a:lstStyle/>
           <a:p>
-            <a:fld id="{BD355919-777E-43FB-A040-B01E79A0941E}" type="datetimeFigureOut">
+            <a:fld id="{353AA71B-B00C-4F41-AD0E-C9F8AB6A8A0E}" type="datetimeFigureOut">
               <a:rPr lang="zh-CN" altLang="en-US" smtClean="0"/>
               <a:t>2024/3/10</a:t>
             </a:fld>
@@ -1409,7 +1409,7 @@
           <p:cNvPr id="6" name="页脚占位符 5">
             <a:extLst>
               <a:ext uri="{FF2B5EF4-FFF2-40B4-BE49-F238E27FC236}">
-                <a16:creationId xmlns:a16="http://schemas.microsoft.com/office/drawing/2014/main" id="{FD281C45-471D-A051-B8B6-F00CED160EDA}"/>
+                <a16:creationId xmlns:a16="http://schemas.microsoft.com/office/drawing/2014/main" id="{B9A2FC81-1176-7E76-7FB7-BF1CEDB238FF}"/>
               </a:ext>
             </a:extLst>
           </p:cNvPr>
@@ -1434,7 +1434,7 @@
           <p:cNvPr id="7" name="灯片编号占位符 6">
             <a:extLst>
               <a:ext uri="{FF2B5EF4-FFF2-40B4-BE49-F238E27FC236}">
-                <a16:creationId xmlns:a16="http://schemas.microsoft.com/office/drawing/2014/main" id="{98654069-E2BE-5D91-3A4E-59FF6EC4D7FF}"/>
+                <a16:creationId xmlns:a16="http://schemas.microsoft.com/office/drawing/2014/main" id="{69F1BAEC-5433-B970-BFC5-02B3E9DE97C0}"/>
               </a:ext>
             </a:extLst>
           </p:cNvPr>
@@ -1450,7 +1450,7 @@
           <a:bodyPr/>
           <a:lstStyle/>
           <a:p>
-            <a:fld id="{CF111BA5-AB31-4DED-97BE-FA18ABF43828}" type="slidenum">
+            <a:fld id="{F94BA0F1-D062-430B-89A4-E440AA02886A}" type="slidenum">
               <a:rPr lang="zh-CN" altLang="en-US" smtClean="0"/>
               <a:t>‹#›</a:t>
             </a:fld>
@@ -1461,7 +1461,7 @@
     </p:spTree>
     <p:extLst>
       <p:ext uri="{BB962C8B-B14F-4D97-AF65-F5344CB8AC3E}">
-        <p14:creationId xmlns:p14="http://schemas.microsoft.com/office/powerpoint/2010/main" val="2490801626"/>
+        <p14:creationId xmlns:p14="http://schemas.microsoft.com/office/powerpoint/2010/main" val="2725031672"/>
       </p:ext>
     </p:extLst>
   </p:cSld>
@@ -1493,7 +1493,7 @@
           <p:cNvPr id="2" name="标题 1">
             <a:extLst>
               <a:ext uri="{FF2B5EF4-FFF2-40B4-BE49-F238E27FC236}">
-                <a16:creationId xmlns:a16="http://schemas.microsoft.com/office/drawing/2014/main" id="{F7A812B4-AE1F-0B38-C822-8C76C3191AD9}"/>
+                <a16:creationId xmlns:a16="http://schemas.microsoft.com/office/drawing/2014/main" id="{BC7A3643-B909-D52D-7E01-C1656BD35ADE}"/>
               </a:ext>
             </a:extLst>
           </p:cNvPr>
@@ -1526,7 +1526,7 @@
           <p:cNvPr id="3" name="文本占位符 2">
             <a:extLst>
               <a:ext uri="{FF2B5EF4-FFF2-40B4-BE49-F238E27FC236}">
-                <a16:creationId xmlns:a16="http://schemas.microsoft.com/office/drawing/2014/main" id="{13345AB5-D168-70BD-3F08-86131D9B07DF}"/>
+                <a16:creationId xmlns:a16="http://schemas.microsoft.com/office/drawing/2014/main" id="{64AE3BE3-E40D-9DDD-C132-B93363DA1ED3}"/>
               </a:ext>
             </a:extLst>
           </p:cNvPr>
@@ -1597,7 +1597,7 @@
           <p:cNvPr id="4" name="内容占位符 3">
             <a:extLst>
               <a:ext uri="{FF2B5EF4-FFF2-40B4-BE49-F238E27FC236}">
-                <a16:creationId xmlns:a16="http://schemas.microsoft.com/office/drawing/2014/main" id="{DB2DC15B-E643-B31A-E3FB-86221F2A2568}"/>
+                <a16:creationId xmlns:a16="http://schemas.microsoft.com/office/drawing/2014/main" id="{A2C53BF0-3375-513F-7D02-89EEA0AFA8EC}"/>
               </a:ext>
             </a:extLst>
           </p:cNvPr>
@@ -1659,7 +1659,7 @@
           <p:cNvPr id="5" name="文本占位符 4">
             <a:extLst>
               <a:ext uri="{FF2B5EF4-FFF2-40B4-BE49-F238E27FC236}">
-                <a16:creationId xmlns:a16="http://schemas.microsoft.com/office/drawing/2014/main" id="{C7D4081E-3A5B-D5AF-4D14-ADAE3F05F42B}"/>
+                <a16:creationId xmlns:a16="http://schemas.microsoft.com/office/drawing/2014/main" id="{B52A5FD2-C1DB-6457-F673-B69994DECDB6}"/>
               </a:ext>
             </a:extLst>
           </p:cNvPr>
@@ -1730,7 +1730,7 @@
           <p:cNvPr id="6" name="内容占位符 5">
             <a:extLst>
               <a:ext uri="{FF2B5EF4-FFF2-40B4-BE49-F238E27FC236}">
-                <a16:creationId xmlns:a16="http://schemas.microsoft.com/office/drawing/2014/main" id="{1C2BC467-2D36-E608-DA75-CB7878DF264F}"/>
+                <a16:creationId xmlns:a16="http://schemas.microsoft.com/office/drawing/2014/main" id="{54488645-A236-5686-66E9-B5D5572A4DB8}"/>
               </a:ext>
             </a:extLst>
           </p:cNvPr>
@@ -1792,7 +1792,7 @@
           <p:cNvPr id="7" name="日期占位符 6">
             <a:extLst>
               <a:ext uri="{FF2B5EF4-FFF2-40B4-BE49-F238E27FC236}">
-                <a16:creationId xmlns:a16="http://schemas.microsoft.com/office/drawing/2014/main" id="{89A51205-81A8-1EE9-1585-7BC6762204E9}"/>
+                <a16:creationId xmlns:a16="http://schemas.microsoft.com/office/drawing/2014/main" id="{CED37C34-85AB-8730-2C5C-492798969E66}"/>
               </a:ext>
             </a:extLst>
           </p:cNvPr>
@@ -1808,7 +1808,7 @@
           <a:bodyPr/>
           <a:lstStyle/>
           <a:p>
-            <a:fld id="{BD355919-777E-43FB-A040-B01E79A0941E}" type="datetimeFigureOut">
+            <a:fld id="{353AA71B-B00C-4F41-AD0E-C9F8AB6A8A0E}" type="datetimeFigureOut">
               <a:rPr lang="zh-CN" altLang="en-US" smtClean="0"/>
               <a:t>2024/3/10</a:t>
             </a:fld>
@@ -1821,7 +1821,7 @@
           <p:cNvPr id="8" name="页脚占位符 7">
             <a:extLst>
               <a:ext uri="{FF2B5EF4-FFF2-40B4-BE49-F238E27FC236}">
-                <a16:creationId xmlns:a16="http://schemas.microsoft.com/office/drawing/2014/main" id="{C3556FD9-53F5-9F09-73D6-89760D251133}"/>
+                <a16:creationId xmlns:a16="http://schemas.microsoft.com/office/drawing/2014/main" id="{DDE2F5A8-647C-F580-F7D8-34C0FEC6DE4F}"/>
               </a:ext>
             </a:extLst>
           </p:cNvPr>
@@ -1846,7 +1846,7 @@
           <p:cNvPr id="9" name="灯片编号占位符 8">
             <a:extLst>
               <a:ext uri="{FF2B5EF4-FFF2-40B4-BE49-F238E27FC236}">
-                <a16:creationId xmlns:a16="http://schemas.microsoft.com/office/drawing/2014/main" id="{D4B0A9C6-3D68-2B29-5899-4E01C8D1FAA5}"/>
+                <a16:creationId xmlns:a16="http://schemas.microsoft.com/office/drawing/2014/main" id="{6EEC2B5E-0EC4-3679-E211-458D4A9C8ECF}"/>
               </a:ext>
             </a:extLst>
           </p:cNvPr>
@@ -1862,7 +1862,7 @@
           <a:bodyPr/>
           <a:lstStyle/>
           <a:p>
-            <a:fld id="{CF111BA5-AB31-4DED-97BE-FA18ABF43828}" type="slidenum">
+            <a:fld id="{F94BA0F1-D062-430B-89A4-E440AA02886A}" type="slidenum">
               <a:rPr lang="zh-CN" altLang="en-US" smtClean="0"/>
               <a:t>‹#›</a:t>
             </a:fld>
@@ -1873,7 +1873,7 @@
     </p:spTree>
     <p:extLst>
       <p:ext uri="{BB962C8B-B14F-4D97-AF65-F5344CB8AC3E}">
-        <p14:creationId xmlns:p14="http://schemas.microsoft.com/office/powerpoint/2010/main" val="832546094"/>
+        <p14:creationId xmlns:p14="http://schemas.microsoft.com/office/powerpoint/2010/main" val="2341244188"/>
       </p:ext>
     </p:extLst>
   </p:cSld>
@@ -1905,7 +1905,7 @@
           <p:cNvPr id="2" name="标题 1">
             <a:extLst>
               <a:ext uri="{FF2B5EF4-FFF2-40B4-BE49-F238E27FC236}">
-                <a16:creationId xmlns:a16="http://schemas.microsoft.com/office/drawing/2014/main" id="{2639421A-28D5-25FD-DA9F-FA76AF69D92F}"/>
+                <a16:creationId xmlns:a16="http://schemas.microsoft.com/office/drawing/2014/main" id="{B909DB15-9ACE-5839-D3B3-E372E7F3DBDD}"/>
               </a:ext>
             </a:extLst>
           </p:cNvPr>
@@ -1933,7 +1933,7 @@
           <p:cNvPr id="3" name="日期占位符 2">
             <a:extLst>
               <a:ext uri="{FF2B5EF4-FFF2-40B4-BE49-F238E27FC236}">
-                <a16:creationId xmlns:a16="http://schemas.microsoft.com/office/drawing/2014/main" id="{23DC5B84-DABA-D234-44A5-0CB37A8CCB43}"/>
+                <a16:creationId xmlns:a16="http://schemas.microsoft.com/office/drawing/2014/main" id="{57E7DE32-6DEA-11F5-B114-151C5ECE8BD6}"/>
               </a:ext>
             </a:extLst>
           </p:cNvPr>
@@ -1949,7 +1949,7 @@
           <a:bodyPr/>
           <a:lstStyle/>
           <a:p>
-            <a:fld id="{BD355919-777E-43FB-A040-B01E79A0941E}" type="datetimeFigureOut">
+            <a:fld id="{353AA71B-B00C-4F41-AD0E-C9F8AB6A8A0E}" type="datetimeFigureOut">
               <a:rPr lang="zh-CN" altLang="en-US" smtClean="0"/>
               <a:t>2024/3/10</a:t>
             </a:fld>
@@ -1962,7 +1962,7 @@
           <p:cNvPr id="4" name="页脚占位符 3">
             <a:extLst>
               <a:ext uri="{FF2B5EF4-FFF2-40B4-BE49-F238E27FC236}">
-                <a16:creationId xmlns:a16="http://schemas.microsoft.com/office/drawing/2014/main" id="{C8AF4A26-2B99-9CDF-B15D-7100DF893124}"/>
+                <a16:creationId xmlns:a16="http://schemas.microsoft.com/office/drawing/2014/main" id="{56406793-67E2-E8C0-F421-010593A463DA}"/>
               </a:ext>
             </a:extLst>
           </p:cNvPr>
@@ -1987,7 +1987,7 @@
           <p:cNvPr id="5" name="灯片编号占位符 4">
             <a:extLst>
               <a:ext uri="{FF2B5EF4-FFF2-40B4-BE49-F238E27FC236}">
-                <a16:creationId xmlns:a16="http://schemas.microsoft.com/office/drawing/2014/main" id="{8A1B0BEE-79BC-181D-4EB2-ACA863211CF1}"/>
+                <a16:creationId xmlns:a16="http://schemas.microsoft.com/office/drawing/2014/main" id="{280A72A4-DC68-C41C-F0EC-45EC6173C365}"/>
               </a:ext>
             </a:extLst>
           </p:cNvPr>
@@ -2003,7 +2003,7 @@
           <a:bodyPr/>
           <a:lstStyle/>
           <a:p>
-            <a:fld id="{CF111BA5-AB31-4DED-97BE-FA18ABF43828}" type="slidenum">
+            <a:fld id="{F94BA0F1-D062-430B-89A4-E440AA02886A}" type="slidenum">
               <a:rPr lang="zh-CN" altLang="en-US" smtClean="0"/>
               <a:t>‹#›</a:t>
             </a:fld>
@@ -2014,7 +2014,7 @@
     </p:spTree>
     <p:extLst>
       <p:ext uri="{BB962C8B-B14F-4D97-AF65-F5344CB8AC3E}">
-        <p14:creationId xmlns:p14="http://schemas.microsoft.com/office/powerpoint/2010/main" val="1100776815"/>
+        <p14:creationId xmlns:p14="http://schemas.microsoft.com/office/powerpoint/2010/main" val="4181220895"/>
       </p:ext>
     </p:extLst>
   </p:cSld>
@@ -2046,7 +2046,7 @@
           <p:cNvPr id="2" name="日期占位符 1">
             <a:extLst>
               <a:ext uri="{FF2B5EF4-FFF2-40B4-BE49-F238E27FC236}">
-                <a16:creationId xmlns:a16="http://schemas.microsoft.com/office/drawing/2014/main" id="{7DAD0AD5-D59F-7B6C-45BF-F17FBC8EB347}"/>
+                <a16:creationId xmlns:a16="http://schemas.microsoft.com/office/drawing/2014/main" id="{5328E09E-630C-A76A-9EF4-0EC002F52B7A}"/>
               </a:ext>
             </a:extLst>
           </p:cNvPr>
@@ -2062,7 +2062,7 @@
           <a:bodyPr/>
           <a:lstStyle/>
           <a:p>
-            <a:fld id="{BD355919-777E-43FB-A040-B01E79A0941E}" type="datetimeFigureOut">
+            <a:fld id="{353AA71B-B00C-4F41-AD0E-C9F8AB6A8A0E}" type="datetimeFigureOut">
               <a:rPr lang="zh-CN" altLang="en-US" smtClean="0"/>
               <a:t>2024/3/10</a:t>
             </a:fld>
@@ -2075,7 +2075,7 @@
           <p:cNvPr id="3" name="页脚占位符 2">
             <a:extLst>
               <a:ext uri="{FF2B5EF4-FFF2-40B4-BE49-F238E27FC236}">
-                <a16:creationId xmlns:a16="http://schemas.microsoft.com/office/drawing/2014/main" id="{56D49F5D-A9FC-5290-F051-CD990A44035D}"/>
+                <a16:creationId xmlns:a16="http://schemas.microsoft.com/office/drawing/2014/main" id="{AB58CE97-EC6D-3A60-93FF-A974DC96AC49}"/>
               </a:ext>
             </a:extLst>
           </p:cNvPr>
@@ -2100,7 +2100,7 @@
           <p:cNvPr id="4" name="灯片编号占位符 3">
             <a:extLst>
               <a:ext uri="{FF2B5EF4-FFF2-40B4-BE49-F238E27FC236}">
-                <a16:creationId xmlns:a16="http://schemas.microsoft.com/office/drawing/2014/main" id="{0284711F-83F0-4372-DA15-6676E984EC89}"/>
+                <a16:creationId xmlns:a16="http://schemas.microsoft.com/office/drawing/2014/main" id="{6E31B456-5CBB-1904-606B-8317CB19E90C}"/>
               </a:ext>
             </a:extLst>
           </p:cNvPr>
@@ -2116,7 +2116,7 @@
           <a:bodyPr/>
           <a:lstStyle/>
           <a:p>
-            <a:fld id="{CF111BA5-AB31-4DED-97BE-FA18ABF43828}" type="slidenum">
+            <a:fld id="{F94BA0F1-D062-430B-89A4-E440AA02886A}" type="slidenum">
               <a:rPr lang="zh-CN" altLang="en-US" smtClean="0"/>
               <a:t>‹#›</a:t>
             </a:fld>
@@ -2127,7 +2127,7 @@
     </p:spTree>
     <p:extLst>
       <p:ext uri="{BB962C8B-B14F-4D97-AF65-F5344CB8AC3E}">
-        <p14:creationId xmlns:p14="http://schemas.microsoft.com/office/powerpoint/2010/main" val="1569318744"/>
+        <p14:creationId xmlns:p14="http://schemas.microsoft.com/office/powerpoint/2010/main" val="2035707595"/>
       </p:ext>
     </p:extLst>
   </p:cSld>
@@ -2159,7 +2159,7 @@
           <p:cNvPr id="2" name="标题 1">
             <a:extLst>
               <a:ext uri="{FF2B5EF4-FFF2-40B4-BE49-F238E27FC236}">
-                <a16:creationId xmlns:a16="http://schemas.microsoft.com/office/drawing/2014/main" id="{E6048241-8A32-5DFB-4A72-0F2640EA8754}"/>
+                <a16:creationId xmlns:a16="http://schemas.microsoft.com/office/drawing/2014/main" id="{62916980-8758-EEB6-6B7E-2852759787F9}"/>
               </a:ext>
             </a:extLst>
           </p:cNvPr>
@@ -2196,7 +2196,7 @@
           <p:cNvPr id="3" name="内容占位符 2">
             <a:extLst>
               <a:ext uri="{FF2B5EF4-FFF2-40B4-BE49-F238E27FC236}">
-                <a16:creationId xmlns:a16="http://schemas.microsoft.com/office/drawing/2014/main" id="{C1B9EDA8-1CDC-9532-C6B9-D8BCDA4A0628}"/>
+                <a16:creationId xmlns:a16="http://schemas.microsoft.com/office/drawing/2014/main" id="{6ABA41A4-6689-C1F2-6E5C-1D3BE5F5B2DE}"/>
               </a:ext>
             </a:extLst>
           </p:cNvPr>
@@ -2286,7 +2286,7 @@
           <p:cNvPr id="4" name="文本占位符 3">
             <a:extLst>
               <a:ext uri="{FF2B5EF4-FFF2-40B4-BE49-F238E27FC236}">
-                <a16:creationId xmlns:a16="http://schemas.microsoft.com/office/drawing/2014/main" id="{B12A54EC-2E93-7827-E6DA-E23B1581E280}"/>
+                <a16:creationId xmlns:a16="http://schemas.microsoft.com/office/drawing/2014/main" id="{D68B1B79-252B-A881-21C6-49AAB7F30128}"/>
               </a:ext>
             </a:extLst>
           </p:cNvPr>
@@ -2357,7 +2357,7 @@
           <p:cNvPr id="5" name="日期占位符 4">
             <a:extLst>
               <a:ext uri="{FF2B5EF4-FFF2-40B4-BE49-F238E27FC236}">
-                <a16:creationId xmlns:a16="http://schemas.microsoft.com/office/drawing/2014/main" id="{C6193392-E08D-828B-BA29-CE966026AC0C}"/>
+                <a16:creationId xmlns:a16="http://schemas.microsoft.com/office/drawing/2014/main" id="{C8770999-7940-875F-8815-67BFED0439F5}"/>
               </a:ext>
             </a:extLst>
           </p:cNvPr>
@@ -2373,7 +2373,7 @@
           <a:bodyPr/>
           <a:lstStyle/>
           <a:p>
-            <a:fld id="{BD355919-777E-43FB-A040-B01E79A0941E}" type="datetimeFigureOut">
+            <a:fld id="{353AA71B-B00C-4F41-AD0E-C9F8AB6A8A0E}" type="datetimeFigureOut">
               <a:rPr lang="zh-CN" altLang="en-US" smtClean="0"/>
               <a:t>2024/3/10</a:t>
             </a:fld>
@@ -2386,7 +2386,7 @@
           <p:cNvPr id="6" name="页脚占位符 5">
             <a:extLst>
               <a:ext uri="{FF2B5EF4-FFF2-40B4-BE49-F238E27FC236}">
-                <a16:creationId xmlns:a16="http://schemas.microsoft.com/office/drawing/2014/main" id="{8021C0DD-4F40-A180-DB51-979117C452F6}"/>
+                <a16:creationId xmlns:a16="http://schemas.microsoft.com/office/drawing/2014/main" id="{561E6B30-18FC-A812-9098-03471F6563C4}"/>
               </a:ext>
             </a:extLst>
           </p:cNvPr>
@@ -2411,7 +2411,7 @@
           <p:cNvPr id="7" name="灯片编号占位符 6">
             <a:extLst>
               <a:ext uri="{FF2B5EF4-FFF2-40B4-BE49-F238E27FC236}">
-                <a16:creationId xmlns:a16="http://schemas.microsoft.com/office/drawing/2014/main" id="{ABD87221-4B75-2363-FD5D-400E6FC35B65}"/>
+                <a16:creationId xmlns:a16="http://schemas.microsoft.com/office/drawing/2014/main" id="{367A739E-5604-BAD4-C7B7-CE7A7F1BDAA1}"/>
               </a:ext>
             </a:extLst>
           </p:cNvPr>
@@ -2427,7 +2427,7 @@
           <a:bodyPr/>
           <a:lstStyle/>
           <a:p>
-            <a:fld id="{CF111BA5-AB31-4DED-97BE-FA18ABF43828}" type="slidenum">
+            <a:fld id="{F94BA0F1-D062-430B-89A4-E440AA02886A}" type="slidenum">
               <a:rPr lang="zh-CN" altLang="en-US" smtClean="0"/>
               <a:t>‹#›</a:t>
             </a:fld>
@@ -2438,7 +2438,7 @@
     </p:spTree>
     <p:extLst>
       <p:ext uri="{BB962C8B-B14F-4D97-AF65-F5344CB8AC3E}">
-        <p14:creationId xmlns:p14="http://schemas.microsoft.com/office/powerpoint/2010/main" val="408995886"/>
+        <p14:creationId xmlns:p14="http://schemas.microsoft.com/office/powerpoint/2010/main" val="3254576353"/>
       </p:ext>
     </p:extLst>
   </p:cSld>
@@ -2470,7 +2470,7 @@
           <p:cNvPr id="2" name="标题 1">
             <a:extLst>
               <a:ext uri="{FF2B5EF4-FFF2-40B4-BE49-F238E27FC236}">
-                <a16:creationId xmlns:a16="http://schemas.microsoft.com/office/drawing/2014/main" id="{1813A83F-F37B-A3C0-E825-E0C4BF2B3E5E}"/>
+                <a16:creationId xmlns:a16="http://schemas.microsoft.com/office/drawing/2014/main" id="{120A482E-B0C1-40E0-881D-C96516554D10}"/>
               </a:ext>
             </a:extLst>
           </p:cNvPr>
@@ -2507,7 +2507,7 @@
           <p:cNvPr id="3" name="图片占位符 2">
             <a:extLst>
               <a:ext uri="{FF2B5EF4-FFF2-40B4-BE49-F238E27FC236}">
-                <a16:creationId xmlns:a16="http://schemas.microsoft.com/office/drawing/2014/main" id="{75EC2174-D755-F0CF-25AB-53155354F801}"/>
+                <a16:creationId xmlns:a16="http://schemas.microsoft.com/office/drawing/2014/main" id="{3438C1DF-C4C0-7158-6334-D9050370D8F8}"/>
               </a:ext>
             </a:extLst>
           </p:cNvPr>
@@ -2574,7 +2574,7 @@
           <p:cNvPr id="4" name="文本占位符 3">
             <a:extLst>
               <a:ext uri="{FF2B5EF4-FFF2-40B4-BE49-F238E27FC236}">
-                <a16:creationId xmlns:a16="http://schemas.microsoft.com/office/drawing/2014/main" id="{70EBF1C8-7162-3835-7031-1FA391F1B71E}"/>
+                <a16:creationId xmlns:a16="http://schemas.microsoft.com/office/drawing/2014/main" id="{28DDDD91-8A3E-9F81-6E8F-C828A6261215}"/>
               </a:ext>
             </a:extLst>
           </p:cNvPr>
@@ -2645,7 +2645,7 @@
           <p:cNvPr id="5" name="日期占位符 4">
             <a:extLst>
               <a:ext uri="{FF2B5EF4-FFF2-40B4-BE49-F238E27FC236}">
-                <a16:creationId xmlns:a16="http://schemas.microsoft.com/office/drawing/2014/main" id="{C41E19A4-AE88-5A17-1B49-FA522011310B}"/>
+                <a16:creationId xmlns:a16="http://schemas.microsoft.com/office/drawing/2014/main" id="{EF1F0A4B-DD6E-F7E8-8603-07CC51C95D0C}"/>
               </a:ext>
             </a:extLst>
           </p:cNvPr>
@@ -2661,7 +2661,7 @@
           <a:bodyPr/>
           <a:lstStyle/>
           <a:p>
-            <a:fld id="{BD355919-777E-43FB-A040-B01E79A0941E}" type="datetimeFigureOut">
+            <a:fld id="{353AA71B-B00C-4F41-AD0E-C9F8AB6A8A0E}" type="datetimeFigureOut">
               <a:rPr lang="zh-CN" altLang="en-US" smtClean="0"/>
               <a:t>2024/3/10</a:t>
             </a:fld>
@@ -2674,7 +2674,7 @@
           <p:cNvPr id="6" name="页脚占位符 5">
             <a:extLst>
               <a:ext uri="{FF2B5EF4-FFF2-40B4-BE49-F238E27FC236}">
-                <a16:creationId xmlns:a16="http://schemas.microsoft.com/office/drawing/2014/main" id="{3A540294-E330-DF60-8BB7-E0B4E03D4F04}"/>
+                <a16:creationId xmlns:a16="http://schemas.microsoft.com/office/drawing/2014/main" id="{EF0392D9-1C76-F574-EAAC-6C360D452F56}"/>
               </a:ext>
             </a:extLst>
           </p:cNvPr>
@@ -2699,7 +2699,7 @@
           <p:cNvPr id="7" name="灯片编号占位符 6">
             <a:extLst>
               <a:ext uri="{FF2B5EF4-FFF2-40B4-BE49-F238E27FC236}">
-                <a16:creationId xmlns:a16="http://schemas.microsoft.com/office/drawing/2014/main" id="{B5E0695D-1CFE-08C6-00DD-7DF181E25CE4}"/>
+                <a16:creationId xmlns:a16="http://schemas.microsoft.com/office/drawing/2014/main" id="{3845DD89-8E38-DD52-B902-F14A8E6CE1C5}"/>
               </a:ext>
             </a:extLst>
           </p:cNvPr>
@@ -2715,7 +2715,7 @@
           <a:bodyPr/>
           <a:lstStyle/>
           <a:p>
-            <a:fld id="{CF111BA5-AB31-4DED-97BE-FA18ABF43828}" type="slidenum">
+            <a:fld id="{F94BA0F1-D062-430B-89A4-E440AA02886A}" type="slidenum">
               <a:rPr lang="zh-CN" altLang="en-US" smtClean="0"/>
               <a:t>‹#›</a:t>
             </a:fld>
@@ -2726,7 +2726,7 @@
     </p:spTree>
     <p:extLst>
       <p:ext uri="{BB962C8B-B14F-4D97-AF65-F5344CB8AC3E}">
-        <p14:creationId xmlns:p14="http://schemas.microsoft.com/office/powerpoint/2010/main" val="1959684360"/>
+        <p14:creationId xmlns:p14="http://schemas.microsoft.com/office/powerpoint/2010/main" val="1684136658"/>
       </p:ext>
     </p:extLst>
   </p:cSld>
@@ -2763,7 +2763,7 @@
           <p:cNvPr id="2" name="标题占位符 1">
             <a:extLst>
               <a:ext uri="{FF2B5EF4-FFF2-40B4-BE49-F238E27FC236}">
-                <a16:creationId xmlns:a16="http://schemas.microsoft.com/office/drawing/2014/main" id="{0B8CCA86-920C-B41B-77A3-17DCAFE90560}"/>
+                <a16:creationId xmlns:a16="http://schemas.microsoft.com/office/drawing/2014/main" id="{39050509-5BE6-DA92-C283-FAE40BB66887}"/>
               </a:ext>
             </a:extLst>
           </p:cNvPr>
@@ -2801,7 +2801,7 @@
           <p:cNvPr id="3" name="文本占位符 2">
             <a:extLst>
               <a:ext uri="{FF2B5EF4-FFF2-40B4-BE49-F238E27FC236}">
-                <a16:creationId xmlns:a16="http://schemas.microsoft.com/office/drawing/2014/main" id="{2ED44721-7DF8-499D-9DE5-D214A0771CFF}"/>
+                <a16:creationId xmlns:a16="http://schemas.microsoft.com/office/drawing/2014/main" id="{B39AA491-1531-83DB-DBDA-423B26F73E75}"/>
               </a:ext>
             </a:extLst>
           </p:cNvPr>
@@ -2868,7 +2868,7 @@
           <p:cNvPr id="4" name="日期占位符 3">
             <a:extLst>
               <a:ext uri="{FF2B5EF4-FFF2-40B4-BE49-F238E27FC236}">
-                <a16:creationId xmlns:a16="http://schemas.microsoft.com/office/drawing/2014/main" id="{9F11E74E-3D9E-B48C-A234-71D2081EB55A}"/>
+                <a16:creationId xmlns:a16="http://schemas.microsoft.com/office/drawing/2014/main" id="{2DB6B67A-827E-C2EE-1799-2EFD3854E2B2}"/>
               </a:ext>
             </a:extLst>
           </p:cNvPr>
@@ -2902,7 +2902,7 @@
             </a:lvl1pPr>
           </a:lstStyle>
           <a:p>
-            <a:fld id="{BD355919-777E-43FB-A040-B01E79A0941E}" type="datetimeFigureOut">
+            <a:fld id="{353AA71B-B00C-4F41-AD0E-C9F8AB6A8A0E}" type="datetimeFigureOut">
               <a:rPr lang="zh-CN" altLang="en-US" smtClean="0"/>
               <a:t>2024/3/10</a:t>
             </a:fld>
@@ -2915,7 +2915,7 @@
           <p:cNvPr id="5" name="页脚占位符 4">
             <a:extLst>
               <a:ext uri="{FF2B5EF4-FFF2-40B4-BE49-F238E27FC236}">
-                <a16:creationId xmlns:a16="http://schemas.microsoft.com/office/drawing/2014/main" id="{D8F07A96-C566-4CE1-9830-7D796D84E3F4}"/>
+                <a16:creationId xmlns:a16="http://schemas.microsoft.com/office/drawing/2014/main" id="{E3CFF2D0-5E12-5781-7D58-00C79F506629}"/>
               </a:ext>
             </a:extLst>
           </p:cNvPr>
@@ -2958,7 +2958,7 @@
           <p:cNvPr id="6" name="灯片编号占位符 5">
             <a:extLst>
               <a:ext uri="{FF2B5EF4-FFF2-40B4-BE49-F238E27FC236}">
-                <a16:creationId xmlns:a16="http://schemas.microsoft.com/office/drawing/2014/main" id="{5F21E3B5-4B03-AACA-CEFC-B6A04B1F994D}"/>
+                <a16:creationId xmlns:a16="http://schemas.microsoft.com/office/drawing/2014/main" id="{4E0E3075-C11F-A25C-C4D4-926F01C7A3C2}"/>
               </a:ext>
             </a:extLst>
           </p:cNvPr>
@@ -2992,7 +2992,7 @@
             </a:lvl1pPr>
           </a:lstStyle>
           <a:p>
-            <a:fld id="{CF111BA5-AB31-4DED-97BE-FA18ABF43828}" type="slidenum">
+            <a:fld id="{F94BA0F1-D062-430B-89A4-E440AA02886A}" type="slidenum">
               <a:rPr lang="zh-CN" altLang="en-US" smtClean="0"/>
               <a:t>‹#›</a:t>
             </a:fld>
@@ -3003,7 +3003,7 @@
     </p:spTree>
     <p:extLst>
       <p:ext uri="{BB962C8B-B14F-4D97-AF65-F5344CB8AC3E}">
-        <p14:creationId xmlns:p14="http://schemas.microsoft.com/office/powerpoint/2010/main" val="2609817969"/>
+        <p14:creationId xmlns:p14="http://schemas.microsoft.com/office/powerpoint/2010/main" val="3211126847"/>
       </p:ext>
     </p:extLst>
   </p:cSld>
